--- a/ppt 16-9/0165.耶稣一生.pptx
+++ b/ppt 16-9/0165.耶稣一生.pptx
@@ -5,7 +5,7 @@
     <p:sldMasterId id="2147483648" r:id="rId1"/>
   </p:sldMasterIdLst>
   <p:sldIdLst>
-    <p:sldId id="2769" r:id="rId2"/>
+    <p:sldId id="2770" r:id="rId2"/>
   </p:sldIdLst>
   <p:sldSz cx="12192000" cy="6858000"/>
   <p:notesSz cx="6858000" cy="9144000"/>
@@ -129,7 +129,7 @@
           <p:cNvPr id="2" name="标题 1">
             <a:extLst>
               <a:ext uri="{FF2B5EF4-FFF2-40B4-BE49-F238E27FC236}">
-                <a16:creationId xmlns:a16="http://schemas.microsoft.com/office/drawing/2014/main" id="{DFFF7A25-5364-48C9-35F5-FBF3DD6E8496}"/>
+                <a16:creationId xmlns:a16="http://schemas.microsoft.com/office/drawing/2014/main" id="{67B2051B-298E-E17F-2235-5D2F705DF1A3}"/>
               </a:ext>
             </a:extLst>
           </p:cNvPr>
@@ -166,7 +166,7 @@
           <p:cNvPr id="3" name="副标题 2">
             <a:extLst>
               <a:ext uri="{FF2B5EF4-FFF2-40B4-BE49-F238E27FC236}">
-                <a16:creationId xmlns:a16="http://schemas.microsoft.com/office/drawing/2014/main" id="{8A59D1DF-4EA0-356C-24D1-3B99F5D1243F}"/>
+                <a16:creationId xmlns:a16="http://schemas.microsoft.com/office/drawing/2014/main" id="{9A64C2F5-E7D9-9332-98EB-45DCFDF631BC}"/>
               </a:ext>
             </a:extLst>
           </p:cNvPr>
@@ -236,7 +236,7 @@
           <p:cNvPr id="4" name="日期占位符 3">
             <a:extLst>
               <a:ext uri="{FF2B5EF4-FFF2-40B4-BE49-F238E27FC236}">
-                <a16:creationId xmlns:a16="http://schemas.microsoft.com/office/drawing/2014/main" id="{DA4FBBCE-4B95-9D2D-5F66-42A8947400AB}"/>
+                <a16:creationId xmlns:a16="http://schemas.microsoft.com/office/drawing/2014/main" id="{4785ABB8-D2E1-D2FA-8A8B-1742B5022A3B}"/>
               </a:ext>
             </a:extLst>
           </p:cNvPr>
@@ -252,7 +252,7 @@
           <a:bodyPr/>
           <a:lstStyle/>
           <a:p>
-            <a:fld id="{6E2399B1-B637-4F43-8019-1FF97A55DF4E}" type="datetimeFigureOut">
+            <a:fld id="{79E71255-2A76-46F6-95B8-C622CD7BBE49}" type="datetimeFigureOut">
               <a:rPr lang="zh-CN" altLang="en-US" smtClean="0"/>
               <a:t>2024/3/10</a:t>
             </a:fld>
@@ -265,7 +265,7 @@
           <p:cNvPr id="5" name="页脚占位符 4">
             <a:extLst>
               <a:ext uri="{FF2B5EF4-FFF2-40B4-BE49-F238E27FC236}">
-                <a16:creationId xmlns:a16="http://schemas.microsoft.com/office/drawing/2014/main" id="{5362ECAC-C808-AF78-3B87-AB7DD5409637}"/>
+                <a16:creationId xmlns:a16="http://schemas.microsoft.com/office/drawing/2014/main" id="{49BD0A7C-8F02-6236-378F-F163D7195D27}"/>
               </a:ext>
             </a:extLst>
           </p:cNvPr>
@@ -290,7 +290,7 @@
           <p:cNvPr id="6" name="灯片编号占位符 5">
             <a:extLst>
               <a:ext uri="{FF2B5EF4-FFF2-40B4-BE49-F238E27FC236}">
-                <a16:creationId xmlns:a16="http://schemas.microsoft.com/office/drawing/2014/main" id="{1544BE09-A61B-22BD-EB23-7262CE447812}"/>
+                <a16:creationId xmlns:a16="http://schemas.microsoft.com/office/drawing/2014/main" id="{C75B08A6-CE89-E318-05E2-A9AEF768263F}"/>
               </a:ext>
             </a:extLst>
           </p:cNvPr>
@@ -306,7 +306,7 @@
           <a:bodyPr/>
           <a:lstStyle/>
           <a:p>
-            <a:fld id="{84B9C5B6-C0BB-43E0-9657-EE5709156762}" type="slidenum">
+            <a:fld id="{D734AA25-4B22-41C5-9D8B-12558E94A861}" type="slidenum">
               <a:rPr lang="zh-CN" altLang="en-US" smtClean="0"/>
               <a:t>‹#›</a:t>
             </a:fld>
@@ -317,7 +317,7 @@
     </p:spTree>
     <p:extLst>
       <p:ext uri="{BB962C8B-B14F-4D97-AF65-F5344CB8AC3E}">
-        <p14:creationId xmlns:p14="http://schemas.microsoft.com/office/powerpoint/2010/main" val="698214827"/>
+        <p14:creationId xmlns:p14="http://schemas.microsoft.com/office/powerpoint/2010/main" val="3083507360"/>
       </p:ext>
     </p:extLst>
   </p:cSld>
@@ -349,7 +349,7 @@
           <p:cNvPr id="2" name="标题 1">
             <a:extLst>
               <a:ext uri="{FF2B5EF4-FFF2-40B4-BE49-F238E27FC236}">
-                <a16:creationId xmlns:a16="http://schemas.microsoft.com/office/drawing/2014/main" id="{135ACFC7-36C7-1647-7446-88513383CBD4}"/>
+                <a16:creationId xmlns:a16="http://schemas.microsoft.com/office/drawing/2014/main" id="{DBA54DD2-B009-BCE2-F38E-9445F5685CF6}"/>
               </a:ext>
             </a:extLst>
           </p:cNvPr>
@@ -377,7 +377,7 @@
           <p:cNvPr id="3" name="竖排文字占位符 2">
             <a:extLst>
               <a:ext uri="{FF2B5EF4-FFF2-40B4-BE49-F238E27FC236}">
-                <a16:creationId xmlns:a16="http://schemas.microsoft.com/office/drawing/2014/main" id="{1DF0E71F-0AA2-BDC1-34AB-BA2CAA02A91C}"/>
+                <a16:creationId xmlns:a16="http://schemas.microsoft.com/office/drawing/2014/main" id="{EE97C9B9-0C3E-4053-40CD-D5B01008C431}"/>
               </a:ext>
             </a:extLst>
           </p:cNvPr>
@@ -434,7 +434,7 @@
           <p:cNvPr id="4" name="日期占位符 3">
             <a:extLst>
               <a:ext uri="{FF2B5EF4-FFF2-40B4-BE49-F238E27FC236}">
-                <a16:creationId xmlns:a16="http://schemas.microsoft.com/office/drawing/2014/main" id="{134BBEA3-DBE0-67F8-543C-8EE049064B06}"/>
+                <a16:creationId xmlns:a16="http://schemas.microsoft.com/office/drawing/2014/main" id="{A378098A-A4AA-A805-D7D9-AA5629D7098F}"/>
               </a:ext>
             </a:extLst>
           </p:cNvPr>
@@ -450,7 +450,7 @@
           <a:bodyPr/>
           <a:lstStyle/>
           <a:p>
-            <a:fld id="{6E2399B1-B637-4F43-8019-1FF97A55DF4E}" type="datetimeFigureOut">
+            <a:fld id="{79E71255-2A76-46F6-95B8-C622CD7BBE49}" type="datetimeFigureOut">
               <a:rPr lang="zh-CN" altLang="en-US" smtClean="0"/>
               <a:t>2024/3/10</a:t>
             </a:fld>
@@ -463,7 +463,7 @@
           <p:cNvPr id="5" name="页脚占位符 4">
             <a:extLst>
               <a:ext uri="{FF2B5EF4-FFF2-40B4-BE49-F238E27FC236}">
-                <a16:creationId xmlns:a16="http://schemas.microsoft.com/office/drawing/2014/main" id="{8FB69700-EDCC-571B-D13A-827EEEB0A4EE}"/>
+                <a16:creationId xmlns:a16="http://schemas.microsoft.com/office/drawing/2014/main" id="{DC25CFAC-8661-F230-32E8-66E63B448005}"/>
               </a:ext>
             </a:extLst>
           </p:cNvPr>
@@ -488,7 +488,7 @@
           <p:cNvPr id="6" name="灯片编号占位符 5">
             <a:extLst>
               <a:ext uri="{FF2B5EF4-FFF2-40B4-BE49-F238E27FC236}">
-                <a16:creationId xmlns:a16="http://schemas.microsoft.com/office/drawing/2014/main" id="{1780AE15-2BEF-276F-9F20-44D808F24CF6}"/>
+                <a16:creationId xmlns:a16="http://schemas.microsoft.com/office/drawing/2014/main" id="{C4123CC0-87DC-2FB5-1F92-36659F47C6C4}"/>
               </a:ext>
             </a:extLst>
           </p:cNvPr>
@@ -504,7 +504,7 @@
           <a:bodyPr/>
           <a:lstStyle/>
           <a:p>
-            <a:fld id="{84B9C5B6-C0BB-43E0-9657-EE5709156762}" type="slidenum">
+            <a:fld id="{D734AA25-4B22-41C5-9D8B-12558E94A861}" type="slidenum">
               <a:rPr lang="zh-CN" altLang="en-US" smtClean="0"/>
               <a:t>‹#›</a:t>
             </a:fld>
@@ -515,7 +515,7 @@
     </p:spTree>
     <p:extLst>
       <p:ext uri="{BB962C8B-B14F-4D97-AF65-F5344CB8AC3E}">
-        <p14:creationId xmlns:p14="http://schemas.microsoft.com/office/powerpoint/2010/main" val="507585651"/>
+        <p14:creationId xmlns:p14="http://schemas.microsoft.com/office/powerpoint/2010/main" val="2920934358"/>
       </p:ext>
     </p:extLst>
   </p:cSld>
@@ -547,7 +547,7 @@
           <p:cNvPr id="2" name="竖排标题 1">
             <a:extLst>
               <a:ext uri="{FF2B5EF4-FFF2-40B4-BE49-F238E27FC236}">
-                <a16:creationId xmlns:a16="http://schemas.microsoft.com/office/drawing/2014/main" id="{8C7CC7BF-6E12-2E9A-8489-C93FA662957B}"/>
+                <a16:creationId xmlns:a16="http://schemas.microsoft.com/office/drawing/2014/main" id="{EA0A0F43-0519-18BB-CDF3-A260D25F8205}"/>
               </a:ext>
             </a:extLst>
           </p:cNvPr>
@@ -580,7 +580,7 @@
           <p:cNvPr id="3" name="竖排文字占位符 2">
             <a:extLst>
               <a:ext uri="{FF2B5EF4-FFF2-40B4-BE49-F238E27FC236}">
-                <a16:creationId xmlns:a16="http://schemas.microsoft.com/office/drawing/2014/main" id="{666245BE-4701-1FF5-FB45-726CBE6DEA26}"/>
+                <a16:creationId xmlns:a16="http://schemas.microsoft.com/office/drawing/2014/main" id="{F309EBAD-FD5A-8143-89DB-F015C9FDD2CA}"/>
               </a:ext>
             </a:extLst>
           </p:cNvPr>
@@ -642,7 +642,7 @@
           <p:cNvPr id="4" name="日期占位符 3">
             <a:extLst>
               <a:ext uri="{FF2B5EF4-FFF2-40B4-BE49-F238E27FC236}">
-                <a16:creationId xmlns:a16="http://schemas.microsoft.com/office/drawing/2014/main" id="{3FB0BBD7-72B9-4364-19F2-A67D97F353EF}"/>
+                <a16:creationId xmlns:a16="http://schemas.microsoft.com/office/drawing/2014/main" id="{F70063E0-1917-6D4D-0DA7-D5AA0BAF38CA}"/>
               </a:ext>
             </a:extLst>
           </p:cNvPr>
@@ -658,7 +658,7 @@
           <a:bodyPr/>
           <a:lstStyle/>
           <a:p>
-            <a:fld id="{6E2399B1-B637-4F43-8019-1FF97A55DF4E}" type="datetimeFigureOut">
+            <a:fld id="{79E71255-2A76-46F6-95B8-C622CD7BBE49}" type="datetimeFigureOut">
               <a:rPr lang="zh-CN" altLang="en-US" smtClean="0"/>
               <a:t>2024/3/10</a:t>
             </a:fld>
@@ -671,7 +671,7 @@
           <p:cNvPr id="5" name="页脚占位符 4">
             <a:extLst>
               <a:ext uri="{FF2B5EF4-FFF2-40B4-BE49-F238E27FC236}">
-                <a16:creationId xmlns:a16="http://schemas.microsoft.com/office/drawing/2014/main" id="{367B1A42-512A-E4FE-5F6C-55A60F9F6F54}"/>
+                <a16:creationId xmlns:a16="http://schemas.microsoft.com/office/drawing/2014/main" id="{D38A5506-BD56-601A-5164-64450849924E}"/>
               </a:ext>
             </a:extLst>
           </p:cNvPr>
@@ -696,7 +696,7 @@
           <p:cNvPr id="6" name="灯片编号占位符 5">
             <a:extLst>
               <a:ext uri="{FF2B5EF4-FFF2-40B4-BE49-F238E27FC236}">
-                <a16:creationId xmlns:a16="http://schemas.microsoft.com/office/drawing/2014/main" id="{C4E0EC47-85DB-C9F3-32E1-CB4D78E3BF04}"/>
+                <a16:creationId xmlns:a16="http://schemas.microsoft.com/office/drawing/2014/main" id="{4C8BC62A-2371-6A48-3897-A3B10621BA31}"/>
               </a:ext>
             </a:extLst>
           </p:cNvPr>
@@ -712,7 +712,7 @@
           <a:bodyPr/>
           <a:lstStyle/>
           <a:p>
-            <a:fld id="{84B9C5B6-C0BB-43E0-9657-EE5709156762}" type="slidenum">
+            <a:fld id="{D734AA25-4B22-41C5-9D8B-12558E94A861}" type="slidenum">
               <a:rPr lang="zh-CN" altLang="en-US" smtClean="0"/>
               <a:t>‹#›</a:t>
             </a:fld>
@@ -723,7 +723,7 @@
     </p:spTree>
     <p:extLst>
       <p:ext uri="{BB962C8B-B14F-4D97-AF65-F5344CB8AC3E}">
-        <p14:creationId xmlns:p14="http://schemas.microsoft.com/office/powerpoint/2010/main" val="959182037"/>
+        <p14:creationId xmlns:p14="http://schemas.microsoft.com/office/powerpoint/2010/main" val="4055459532"/>
       </p:ext>
     </p:extLst>
   </p:cSld>
@@ -755,7 +755,7 @@
           <p:cNvPr id="2" name="标题 1">
             <a:extLst>
               <a:ext uri="{FF2B5EF4-FFF2-40B4-BE49-F238E27FC236}">
-                <a16:creationId xmlns:a16="http://schemas.microsoft.com/office/drawing/2014/main" id="{0BB558D4-F503-B803-377C-0AA6DC2C229B}"/>
+                <a16:creationId xmlns:a16="http://schemas.microsoft.com/office/drawing/2014/main" id="{5C4EE3F2-C6E0-E667-6513-54E3C78D8842}"/>
               </a:ext>
             </a:extLst>
           </p:cNvPr>
@@ -783,7 +783,7 @@
           <p:cNvPr id="3" name="内容占位符 2">
             <a:extLst>
               <a:ext uri="{FF2B5EF4-FFF2-40B4-BE49-F238E27FC236}">
-                <a16:creationId xmlns:a16="http://schemas.microsoft.com/office/drawing/2014/main" id="{C46195EE-6993-52D4-6A82-CBF752182A9E}"/>
+                <a16:creationId xmlns:a16="http://schemas.microsoft.com/office/drawing/2014/main" id="{D84F601E-9BFB-AD5C-4E29-F5AC4D62699F}"/>
               </a:ext>
             </a:extLst>
           </p:cNvPr>
@@ -840,7 +840,7 @@
           <p:cNvPr id="4" name="日期占位符 3">
             <a:extLst>
               <a:ext uri="{FF2B5EF4-FFF2-40B4-BE49-F238E27FC236}">
-                <a16:creationId xmlns:a16="http://schemas.microsoft.com/office/drawing/2014/main" id="{2D49EAB6-BAFB-9E21-945F-3E87AA80855F}"/>
+                <a16:creationId xmlns:a16="http://schemas.microsoft.com/office/drawing/2014/main" id="{48EF9881-43C2-AC88-B077-B4634067D261}"/>
               </a:ext>
             </a:extLst>
           </p:cNvPr>
@@ -856,7 +856,7 @@
           <a:bodyPr/>
           <a:lstStyle/>
           <a:p>
-            <a:fld id="{6E2399B1-B637-4F43-8019-1FF97A55DF4E}" type="datetimeFigureOut">
+            <a:fld id="{79E71255-2A76-46F6-95B8-C622CD7BBE49}" type="datetimeFigureOut">
               <a:rPr lang="zh-CN" altLang="en-US" smtClean="0"/>
               <a:t>2024/3/10</a:t>
             </a:fld>
@@ -869,7 +869,7 @@
           <p:cNvPr id="5" name="页脚占位符 4">
             <a:extLst>
               <a:ext uri="{FF2B5EF4-FFF2-40B4-BE49-F238E27FC236}">
-                <a16:creationId xmlns:a16="http://schemas.microsoft.com/office/drawing/2014/main" id="{D240369B-BB46-2D74-AF98-70A5938DF0FA}"/>
+                <a16:creationId xmlns:a16="http://schemas.microsoft.com/office/drawing/2014/main" id="{E84CB73A-90D5-A023-6091-CA3DC5B3EF63}"/>
               </a:ext>
             </a:extLst>
           </p:cNvPr>
@@ -894,7 +894,7 @@
           <p:cNvPr id="6" name="灯片编号占位符 5">
             <a:extLst>
               <a:ext uri="{FF2B5EF4-FFF2-40B4-BE49-F238E27FC236}">
-                <a16:creationId xmlns:a16="http://schemas.microsoft.com/office/drawing/2014/main" id="{6B7A135A-6B9C-73C7-7FFE-887BCB2C6DE1}"/>
+                <a16:creationId xmlns:a16="http://schemas.microsoft.com/office/drawing/2014/main" id="{B8E9DE1E-1CC4-C4DD-6F1F-99B8159D3D91}"/>
               </a:ext>
             </a:extLst>
           </p:cNvPr>
@@ -910,7 +910,7 @@
           <a:bodyPr/>
           <a:lstStyle/>
           <a:p>
-            <a:fld id="{84B9C5B6-C0BB-43E0-9657-EE5709156762}" type="slidenum">
+            <a:fld id="{D734AA25-4B22-41C5-9D8B-12558E94A861}" type="slidenum">
               <a:rPr lang="zh-CN" altLang="en-US" smtClean="0"/>
               <a:t>‹#›</a:t>
             </a:fld>
@@ -921,7 +921,7 @@
     </p:spTree>
     <p:extLst>
       <p:ext uri="{BB962C8B-B14F-4D97-AF65-F5344CB8AC3E}">
-        <p14:creationId xmlns:p14="http://schemas.microsoft.com/office/powerpoint/2010/main" val="665915132"/>
+        <p14:creationId xmlns:p14="http://schemas.microsoft.com/office/powerpoint/2010/main" val="1521232465"/>
       </p:ext>
     </p:extLst>
   </p:cSld>
@@ -953,7 +953,7 @@
           <p:cNvPr id="2" name="标题 1">
             <a:extLst>
               <a:ext uri="{FF2B5EF4-FFF2-40B4-BE49-F238E27FC236}">
-                <a16:creationId xmlns:a16="http://schemas.microsoft.com/office/drawing/2014/main" id="{834B5D78-F25C-4DB8-B76E-707CFB0F01CC}"/>
+                <a16:creationId xmlns:a16="http://schemas.microsoft.com/office/drawing/2014/main" id="{62A53E37-F296-01CB-F2A2-C27C3C940BA4}"/>
               </a:ext>
             </a:extLst>
           </p:cNvPr>
@@ -990,7 +990,7 @@
           <p:cNvPr id="3" name="文本占位符 2">
             <a:extLst>
               <a:ext uri="{FF2B5EF4-FFF2-40B4-BE49-F238E27FC236}">
-                <a16:creationId xmlns:a16="http://schemas.microsoft.com/office/drawing/2014/main" id="{9BDA1308-1BB2-A2D4-E00D-4A49CD1B7A86}"/>
+                <a16:creationId xmlns:a16="http://schemas.microsoft.com/office/drawing/2014/main" id="{E67D7232-703D-28E2-C377-687C730B4A40}"/>
               </a:ext>
             </a:extLst>
           </p:cNvPr>
@@ -1115,7 +1115,7 @@
           <p:cNvPr id="4" name="日期占位符 3">
             <a:extLst>
               <a:ext uri="{FF2B5EF4-FFF2-40B4-BE49-F238E27FC236}">
-                <a16:creationId xmlns:a16="http://schemas.microsoft.com/office/drawing/2014/main" id="{01F9AFE1-0218-DD31-ED2A-C9DFA7E6CAD4}"/>
+                <a16:creationId xmlns:a16="http://schemas.microsoft.com/office/drawing/2014/main" id="{60837BEB-7A25-D2BC-68FB-DDFA391A5E85}"/>
               </a:ext>
             </a:extLst>
           </p:cNvPr>
@@ -1131,7 +1131,7 @@
           <a:bodyPr/>
           <a:lstStyle/>
           <a:p>
-            <a:fld id="{6E2399B1-B637-4F43-8019-1FF97A55DF4E}" type="datetimeFigureOut">
+            <a:fld id="{79E71255-2A76-46F6-95B8-C622CD7BBE49}" type="datetimeFigureOut">
               <a:rPr lang="zh-CN" altLang="en-US" smtClean="0"/>
               <a:t>2024/3/10</a:t>
             </a:fld>
@@ -1144,7 +1144,7 @@
           <p:cNvPr id="5" name="页脚占位符 4">
             <a:extLst>
               <a:ext uri="{FF2B5EF4-FFF2-40B4-BE49-F238E27FC236}">
-                <a16:creationId xmlns:a16="http://schemas.microsoft.com/office/drawing/2014/main" id="{16E42064-B157-F5A9-7404-5187EFC4EEBC}"/>
+                <a16:creationId xmlns:a16="http://schemas.microsoft.com/office/drawing/2014/main" id="{BDD03802-8350-7321-9280-6550C073D5DC}"/>
               </a:ext>
             </a:extLst>
           </p:cNvPr>
@@ -1169,7 +1169,7 @@
           <p:cNvPr id="6" name="灯片编号占位符 5">
             <a:extLst>
               <a:ext uri="{FF2B5EF4-FFF2-40B4-BE49-F238E27FC236}">
-                <a16:creationId xmlns:a16="http://schemas.microsoft.com/office/drawing/2014/main" id="{750B13B4-F80B-EF42-CFF8-089F220180A6}"/>
+                <a16:creationId xmlns:a16="http://schemas.microsoft.com/office/drawing/2014/main" id="{601B9BE8-A777-57E2-8C05-9F8E6DC7FA7C}"/>
               </a:ext>
             </a:extLst>
           </p:cNvPr>
@@ -1185,7 +1185,7 @@
           <a:bodyPr/>
           <a:lstStyle/>
           <a:p>
-            <a:fld id="{84B9C5B6-C0BB-43E0-9657-EE5709156762}" type="slidenum">
+            <a:fld id="{D734AA25-4B22-41C5-9D8B-12558E94A861}" type="slidenum">
               <a:rPr lang="zh-CN" altLang="en-US" smtClean="0"/>
               <a:t>‹#›</a:t>
             </a:fld>
@@ -1196,7 +1196,7 @@
     </p:spTree>
     <p:extLst>
       <p:ext uri="{BB962C8B-B14F-4D97-AF65-F5344CB8AC3E}">
-        <p14:creationId xmlns:p14="http://schemas.microsoft.com/office/powerpoint/2010/main" val="2539847910"/>
+        <p14:creationId xmlns:p14="http://schemas.microsoft.com/office/powerpoint/2010/main" val="910006413"/>
       </p:ext>
     </p:extLst>
   </p:cSld>
@@ -1228,7 +1228,7 @@
           <p:cNvPr id="2" name="标题 1">
             <a:extLst>
               <a:ext uri="{FF2B5EF4-FFF2-40B4-BE49-F238E27FC236}">
-                <a16:creationId xmlns:a16="http://schemas.microsoft.com/office/drawing/2014/main" id="{462F1699-49AD-BC86-F4D9-15B25B2754A3}"/>
+                <a16:creationId xmlns:a16="http://schemas.microsoft.com/office/drawing/2014/main" id="{0591BAD5-6F90-DAAB-7BF4-E02458D026C2}"/>
               </a:ext>
             </a:extLst>
           </p:cNvPr>
@@ -1256,7 +1256,7 @@
           <p:cNvPr id="3" name="内容占位符 2">
             <a:extLst>
               <a:ext uri="{FF2B5EF4-FFF2-40B4-BE49-F238E27FC236}">
-                <a16:creationId xmlns:a16="http://schemas.microsoft.com/office/drawing/2014/main" id="{0F5FD2D2-C300-27D5-8844-3E1A9F718A74}"/>
+                <a16:creationId xmlns:a16="http://schemas.microsoft.com/office/drawing/2014/main" id="{1EE60ABE-E37C-3D54-0BC3-1873507F3553}"/>
               </a:ext>
             </a:extLst>
           </p:cNvPr>
@@ -1318,7 +1318,7 @@
           <p:cNvPr id="4" name="内容占位符 3">
             <a:extLst>
               <a:ext uri="{FF2B5EF4-FFF2-40B4-BE49-F238E27FC236}">
-                <a16:creationId xmlns:a16="http://schemas.microsoft.com/office/drawing/2014/main" id="{E742E75E-B415-8598-5EBB-E3754866188A}"/>
+                <a16:creationId xmlns:a16="http://schemas.microsoft.com/office/drawing/2014/main" id="{A18512B2-7B22-8EC5-F14C-04FF67366E80}"/>
               </a:ext>
             </a:extLst>
           </p:cNvPr>
@@ -1380,7 +1380,7 @@
           <p:cNvPr id="5" name="日期占位符 4">
             <a:extLst>
               <a:ext uri="{FF2B5EF4-FFF2-40B4-BE49-F238E27FC236}">
-                <a16:creationId xmlns:a16="http://schemas.microsoft.com/office/drawing/2014/main" id="{53EF3684-927D-6E34-19FD-BA55B971C9EB}"/>
+                <a16:creationId xmlns:a16="http://schemas.microsoft.com/office/drawing/2014/main" id="{96D5EBC3-88ED-2A22-4B2D-73ED91CC95CF}"/>
               </a:ext>
             </a:extLst>
           </p:cNvPr>
@@ -1396,7 +1396,7 @@
           <a:bodyPr/>
           <a:lstStyle/>
           <a:p>
-            <a:fld id="{6E2399B1-B637-4F43-8019-1FF97A55DF4E}" type="datetimeFigureOut">
+            <a:fld id="{79E71255-2A76-46F6-95B8-C622CD7BBE49}" type="datetimeFigureOut">
               <a:rPr lang="zh-CN" altLang="en-US" smtClean="0"/>
               <a:t>2024/3/10</a:t>
             </a:fld>
@@ -1409,7 +1409,7 @@
           <p:cNvPr id="6" name="页脚占位符 5">
             <a:extLst>
               <a:ext uri="{FF2B5EF4-FFF2-40B4-BE49-F238E27FC236}">
-                <a16:creationId xmlns:a16="http://schemas.microsoft.com/office/drawing/2014/main" id="{FF530077-C306-5331-C4E0-1E7D3CB8C8B3}"/>
+                <a16:creationId xmlns:a16="http://schemas.microsoft.com/office/drawing/2014/main" id="{B5B62E8D-B653-2B31-E562-44884BEE9208}"/>
               </a:ext>
             </a:extLst>
           </p:cNvPr>
@@ -1434,7 +1434,7 @@
           <p:cNvPr id="7" name="灯片编号占位符 6">
             <a:extLst>
               <a:ext uri="{FF2B5EF4-FFF2-40B4-BE49-F238E27FC236}">
-                <a16:creationId xmlns:a16="http://schemas.microsoft.com/office/drawing/2014/main" id="{8E9A3A2B-C846-8819-126C-7613CC0A3189}"/>
+                <a16:creationId xmlns:a16="http://schemas.microsoft.com/office/drawing/2014/main" id="{15C5742A-F8C9-8773-F71E-CE1B377FAF75}"/>
               </a:ext>
             </a:extLst>
           </p:cNvPr>
@@ -1450,7 +1450,7 @@
           <a:bodyPr/>
           <a:lstStyle/>
           <a:p>
-            <a:fld id="{84B9C5B6-C0BB-43E0-9657-EE5709156762}" type="slidenum">
+            <a:fld id="{D734AA25-4B22-41C5-9D8B-12558E94A861}" type="slidenum">
               <a:rPr lang="zh-CN" altLang="en-US" smtClean="0"/>
               <a:t>‹#›</a:t>
             </a:fld>
@@ -1461,7 +1461,7 @@
     </p:spTree>
     <p:extLst>
       <p:ext uri="{BB962C8B-B14F-4D97-AF65-F5344CB8AC3E}">
-        <p14:creationId xmlns:p14="http://schemas.microsoft.com/office/powerpoint/2010/main" val="125888329"/>
+        <p14:creationId xmlns:p14="http://schemas.microsoft.com/office/powerpoint/2010/main" val="1540646867"/>
       </p:ext>
     </p:extLst>
   </p:cSld>
@@ -1493,7 +1493,7 @@
           <p:cNvPr id="2" name="标题 1">
             <a:extLst>
               <a:ext uri="{FF2B5EF4-FFF2-40B4-BE49-F238E27FC236}">
-                <a16:creationId xmlns:a16="http://schemas.microsoft.com/office/drawing/2014/main" id="{9E2FA2FA-6B73-44EA-FB5F-A310C0E8DA3D}"/>
+                <a16:creationId xmlns:a16="http://schemas.microsoft.com/office/drawing/2014/main" id="{1CFF2B05-4EEC-2A0D-4E2A-86B29454045F}"/>
               </a:ext>
             </a:extLst>
           </p:cNvPr>
@@ -1526,7 +1526,7 @@
           <p:cNvPr id="3" name="文本占位符 2">
             <a:extLst>
               <a:ext uri="{FF2B5EF4-FFF2-40B4-BE49-F238E27FC236}">
-                <a16:creationId xmlns:a16="http://schemas.microsoft.com/office/drawing/2014/main" id="{DA5C977F-2B97-E40F-F527-86A574B3B23E}"/>
+                <a16:creationId xmlns:a16="http://schemas.microsoft.com/office/drawing/2014/main" id="{B03B5005-785A-8000-CDD9-5171B5F14BC4}"/>
               </a:ext>
             </a:extLst>
           </p:cNvPr>
@@ -1597,7 +1597,7 @@
           <p:cNvPr id="4" name="内容占位符 3">
             <a:extLst>
               <a:ext uri="{FF2B5EF4-FFF2-40B4-BE49-F238E27FC236}">
-                <a16:creationId xmlns:a16="http://schemas.microsoft.com/office/drawing/2014/main" id="{F1B2B752-2EC8-17E2-8BA8-55A2FE935B70}"/>
+                <a16:creationId xmlns:a16="http://schemas.microsoft.com/office/drawing/2014/main" id="{296DB79B-40CC-995F-CB6D-1F3E7B9C71A9}"/>
               </a:ext>
             </a:extLst>
           </p:cNvPr>
@@ -1659,7 +1659,7 @@
           <p:cNvPr id="5" name="文本占位符 4">
             <a:extLst>
               <a:ext uri="{FF2B5EF4-FFF2-40B4-BE49-F238E27FC236}">
-                <a16:creationId xmlns:a16="http://schemas.microsoft.com/office/drawing/2014/main" id="{D29AE9F8-BFF5-1705-3FF5-1900E06E6600}"/>
+                <a16:creationId xmlns:a16="http://schemas.microsoft.com/office/drawing/2014/main" id="{226F52A8-E5B8-4C02-8F43-D5A25CB3715B}"/>
               </a:ext>
             </a:extLst>
           </p:cNvPr>
@@ -1730,7 +1730,7 @@
           <p:cNvPr id="6" name="内容占位符 5">
             <a:extLst>
               <a:ext uri="{FF2B5EF4-FFF2-40B4-BE49-F238E27FC236}">
-                <a16:creationId xmlns:a16="http://schemas.microsoft.com/office/drawing/2014/main" id="{C7FB8D29-E73A-2216-00AF-6C0F064C28B7}"/>
+                <a16:creationId xmlns:a16="http://schemas.microsoft.com/office/drawing/2014/main" id="{68F06FBC-BD5C-99AD-83BF-54FDE78DC306}"/>
               </a:ext>
             </a:extLst>
           </p:cNvPr>
@@ -1792,7 +1792,7 @@
           <p:cNvPr id="7" name="日期占位符 6">
             <a:extLst>
               <a:ext uri="{FF2B5EF4-FFF2-40B4-BE49-F238E27FC236}">
-                <a16:creationId xmlns:a16="http://schemas.microsoft.com/office/drawing/2014/main" id="{A183A34D-72AF-99A9-A448-796067BF4D71}"/>
+                <a16:creationId xmlns:a16="http://schemas.microsoft.com/office/drawing/2014/main" id="{A02F167F-46DB-5E51-81B5-BA46DE17F8F3}"/>
               </a:ext>
             </a:extLst>
           </p:cNvPr>
@@ -1808,7 +1808,7 @@
           <a:bodyPr/>
           <a:lstStyle/>
           <a:p>
-            <a:fld id="{6E2399B1-B637-4F43-8019-1FF97A55DF4E}" type="datetimeFigureOut">
+            <a:fld id="{79E71255-2A76-46F6-95B8-C622CD7BBE49}" type="datetimeFigureOut">
               <a:rPr lang="zh-CN" altLang="en-US" smtClean="0"/>
               <a:t>2024/3/10</a:t>
             </a:fld>
@@ -1821,7 +1821,7 @@
           <p:cNvPr id="8" name="页脚占位符 7">
             <a:extLst>
               <a:ext uri="{FF2B5EF4-FFF2-40B4-BE49-F238E27FC236}">
-                <a16:creationId xmlns:a16="http://schemas.microsoft.com/office/drawing/2014/main" id="{2815C0C0-8A89-7C05-D90A-276BCA2463EE}"/>
+                <a16:creationId xmlns:a16="http://schemas.microsoft.com/office/drawing/2014/main" id="{8B048C16-00CE-5552-00B4-66811EF85184}"/>
               </a:ext>
             </a:extLst>
           </p:cNvPr>
@@ -1846,7 +1846,7 @@
           <p:cNvPr id="9" name="灯片编号占位符 8">
             <a:extLst>
               <a:ext uri="{FF2B5EF4-FFF2-40B4-BE49-F238E27FC236}">
-                <a16:creationId xmlns:a16="http://schemas.microsoft.com/office/drawing/2014/main" id="{B87C0AC5-04DC-08A5-06D5-929EE6B8283C}"/>
+                <a16:creationId xmlns:a16="http://schemas.microsoft.com/office/drawing/2014/main" id="{8D92013A-BB59-7A90-9B5E-DE0D81165222}"/>
               </a:ext>
             </a:extLst>
           </p:cNvPr>
@@ -1862,7 +1862,7 @@
           <a:bodyPr/>
           <a:lstStyle/>
           <a:p>
-            <a:fld id="{84B9C5B6-C0BB-43E0-9657-EE5709156762}" type="slidenum">
+            <a:fld id="{D734AA25-4B22-41C5-9D8B-12558E94A861}" type="slidenum">
               <a:rPr lang="zh-CN" altLang="en-US" smtClean="0"/>
               <a:t>‹#›</a:t>
             </a:fld>
@@ -1873,7 +1873,7 @@
     </p:spTree>
     <p:extLst>
       <p:ext uri="{BB962C8B-B14F-4D97-AF65-F5344CB8AC3E}">
-        <p14:creationId xmlns:p14="http://schemas.microsoft.com/office/powerpoint/2010/main" val="2710408870"/>
+        <p14:creationId xmlns:p14="http://schemas.microsoft.com/office/powerpoint/2010/main" val="2924223517"/>
       </p:ext>
     </p:extLst>
   </p:cSld>
@@ -1905,7 +1905,7 @@
           <p:cNvPr id="2" name="标题 1">
             <a:extLst>
               <a:ext uri="{FF2B5EF4-FFF2-40B4-BE49-F238E27FC236}">
-                <a16:creationId xmlns:a16="http://schemas.microsoft.com/office/drawing/2014/main" id="{8C06F97E-C072-7A3E-AFC0-453DAA0324FD}"/>
+                <a16:creationId xmlns:a16="http://schemas.microsoft.com/office/drawing/2014/main" id="{51597C98-B9C1-3AFB-0D4F-ACAB8BA97EBF}"/>
               </a:ext>
             </a:extLst>
           </p:cNvPr>
@@ -1933,7 +1933,7 @@
           <p:cNvPr id="3" name="日期占位符 2">
             <a:extLst>
               <a:ext uri="{FF2B5EF4-FFF2-40B4-BE49-F238E27FC236}">
-                <a16:creationId xmlns:a16="http://schemas.microsoft.com/office/drawing/2014/main" id="{738FC643-D44B-4CBA-79EF-3AF1A03B2DA9}"/>
+                <a16:creationId xmlns:a16="http://schemas.microsoft.com/office/drawing/2014/main" id="{D53E39B8-514C-D09B-BFF4-39C3CE10B381}"/>
               </a:ext>
             </a:extLst>
           </p:cNvPr>
@@ -1949,7 +1949,7 @@
           <a:bodyPr/>
           <a:lstStyle/>
           <a:p>
-            <a:fld id="{6E2399B1-B637-4F43-8019-1FF97A55DF4E}" type="datetimeFigureOut">
+            <a:fld id="{79E71255-2A76-46F6-95B8-C622CD7BBE49}" type="datetimeFigureOut">
               <a:rPr lang="zh-CN" altLang="en-US" smtClean="0"/>
               <a:t>2024/3/10</a:t>
             </a:fld>
@@ -1962,7 +1962,7 @@
           <p:cNvPr id="4" name="页脚占位符 3">
             <a:extLst>
               <a:ext uri="{FF2B5EF4-FFF2-40B4-BE49-F238E27FC236}">
-                <a16:creationId xmlns:a16="http://schemas.microsoft.com/office/drawing/2014/main" id="{1B9B1304-3712-EB1B-5818-FEBC59F9BDE1}"/>
+                <a16:creationId xmlns:a16="http://schemas.microsoft.com/office/drawing/2014/main" id="{32E4E7E1-97FC-EF94-E864-488BC2A40667}"/>
               </a:ext>
             </a:extLst>
           </p:cNvPr>
@@ -1987,7 +1987,7 @@
           <p:cNvPr id="5" name="灯片编号占位符 4">
             <a:extLst>
               <a:ext uri="{FF2B5EF4-FFF2-40B4-BE49-F238E27FC236}">
-                <a16:creationId xmlns:a16="http://schemas.microsoft.com/office/drawing/2014/main" id="{819D1171-02D0-3D17-9C7F-DA01E89AC469}"/>
+                <a16:creationId xmlns:a16="http://schemas.microsoft.com/office/drawing/2014/main" id="{57A1B2CF-F3D0-8C3D-DC57-80ACFFB62442}"/>
               </a:ext>
             </a:extLst>
           </p:cNvPr>
@@ -2003,7 +2003,7 @@
           <a:bodyPr/>
           <a:lstStyle/>
           <a:p>
-            <a:fld id="{84B9C5B6-C0BB-43E0-9657-EE5709156762}" type="slidenum">
+            <a:fld id="{D734AA25-4B22-41C5-9D8B-12558E94A861}" type="slidenum">
               <a:rPr lang="zh-CN" altLang="en-US" smtClean="0"/>
               <a:t>‹#›</a:t>
             </a:fld>
@@ -2014,7 +2014,7 @@
     </p:spTree>
     <p:extLst>
       <p:ext uri="{BB962C8B-B14F-4D97-AF65-F5344CB8AC3E}">
-        <p14:creationId xmlns:p14="http://schemas.microsoft.com/office/powerpoint/2010/main" val="3049159862"/>
+        <p14:creationId xmlns:p14="http://schemas.microsoft.com/office/powerpoint/2010/main" val="2081344233"/>
       </p:ext>
     </p:extLst>
   </p:cSld>
@@ -2046,7 +2046,7 @@
           <p:cNvPr id="2" name="日期占位符 1">
             <a:extLst>
               <a:ext uri="{FF2B5EF4-FFF2-40B4-BE49-F238E27FC236}">
-                <a16:creationId xmlns:a16="http://schemas.microsoft.com/office/drawing/2014/main" id="{E8C0C4A7-49E8-47B4-E62C-1F78156E2CDF}"/>
+                <a16:creationId xmlns:a16="http://schemas.microsoft.com/office/drawing/2014/main" id="{F3F12D73-2D84-329A-F974-D6C09F65B2EB}"/>
               </a:ext>
             </a:extLst>
           </p:cNvPr>
@@ -2062,7 +2062,7 @@
           <a:bodyPr/>
           <a:lstStyle/>
           <a:p>
-            <a:fld id="{6E2399B1-B637-4F43-8019-1FF97A55DF4E}" type="datetimeFigureOut">
+            <a:fld id="{79E71255-2A76-46F6-95B8-C622CD7BBE49}" type="datetimeFigureOut">
               <a:rPr lang="zh-CN" altLang="en-US" smtClean="0"/>
               <a:t>2024/3/10</a:t>
             </a:fld>
@@ -2075,7 +2075,7 @@
           <p:cNvPr id="3" name="页脚占位符 2">
             <a:extLst>
               <a:ext uri="{FF2B5EF4-FFF2-40B4-BE49-F238E27FC236}">
-                <a16:creationId xmlns:a16="http://schemas.microsoft.com/office/drawing/2014/main" id="{15B774D0-BA3F-951F-07F0-3910F5665CE4}"/>
+                <a16:creationId xmlns:a16="http://schemas.microsoft.com/office/drawing/2014/main" id="{5D1DBE86-95BD-9159-9625-A96B4DA1EB86}"/>
               </a:ext>
             </a:extLst>
           </p:cNvPr>
@@ -2100,7 +2100,7 @@
           <p:cNvPr id="4" name="灯片编号占位符 3">
             <a:extLst>
               <a:ext uri="{FF2B5EF4-FFF2-40B4-BE49-F238E27FC236}">
-                <a16:creationId xmlns:a16="http://schemas.microsoft.com/office/drawing/2014/main" id="{4659866F-2825-D882-17B7-DAC6E8C93399}"/>
+                <a16:creationId xmlns:a16="http://schemas.microsoft.com/office/drawing/2014/main" id="{FAEC3F27-0134-4FEA-3A58-0CDE2416DE4A}"/>
               </a:ext>
             </a:extLst>
           </p:cNvPr>
@@ -2116,7 +2116,7 @@
           <a:bodyPr/>
           <a:lstStyle/>
           <a:p>
-            <a:fld id="{84B9C5B6-C0BB-43E0-9657-EE5709156762}" type="slidenum">
+            <a:fld id="{D734AA25-4B22-41C5-9D8B-12558E94A861}" type="slidenum">
               <a:rPr lang="zh-CN" altLang="en-US" smtClean="0"/>
               <a:t>‹#›</a:t>
             </a:fld>
@@ -2127,7 +2127,7 @@
     </p:spTree>
     <p:extLst>
       <p:ext uri="{BB962C8B-B14F-4D97-AF65-F5344CB8AC3E}">
-        <p14:creationId xmlns:p14="http://schemas.microsoft.com/office/powerpoint/2010/main" val="2412873740"/>
+        <p14:creationId xmlns:p14="http://schemas.microsoft.com/office/powerpoint/2010/main" val="571236742"/>
       </p:ext>
     </p:extLst>
   </p:cSld>
@@ -2159,7 +2159,7 @@
           <p:cNvPr id="2" name="标题 1">
             <a:extLst>
               <a:ext uri="{FF2B5EF4-FFF2-40B4-BE49-F238E27FC236}">
-                <a16:creationId xmlns:a16="http://schemas.microsoft.com/office/drawing/2014/main" id="{76CB222C-5886-B477-5A11-955E806E25CB}"/>
+                <a16:creationId xmlns:a16="http://schemas.microsoft.com/office/drawing/2014/main" id="{21F8AD77-7686-A44F-BAF7-06D7CF2A1291}"/>
               </a:ext>
             </a:extLst>
           </p:cNvPr>
@@ -2196,7 +2196,7 @@
           <p:cNvPr id="3" name="内容占位符 2">
             <a:extLst>
               <a:ext uri="{FF2B5EF4-FFF2-40B4-BE49-F238E27FC236}">
-                <a16:creationId xmlns:a16="http://schemas.microsoft.com/office/drawing/2014/main" id="{2CA19C95-65E1-F8B7-6F5B-A3275312F697}"/>
+                <a16:creationId xmlns:a16="http://schemas.microsoft.com/office/drawing/2014/main" id="{6A5B01A3-50FC-63FE-725F-0ACAC4DEB75F}"/>
               </a:ext>
             </a:extLst>
           </p:cNvPr>
@@ -2286,7 +2286,7 @@
           <p:cNvPr id="4" name="文本占位符 3">
             <a:extLst>
               <a:ext uri="{FF2B5EF4-FFF2-40B4-BE49-F238E27FC236}">
-                <a16:creationId xmlns:a16="http://schemas.microsoft.com/office/drawing/2014/main" id="{328AE715-A6F3-C7F0-00EC-0853F30DF5B1}"/>
+                <a16:creationId xmlns:a16="http://schemas.microsoft.com/office/drawing/2014/main" id="{975D6087-4DC5-373B-024B-ACC9113A31AA}"/>
               </a:ext>
             </a:extLst>
           </p:cNvPr>
@@ -2357,7 +2357,7 @@
           <p:cNvPr id="5" name="日期占位符 4">
             <a:extLst>
               <a:ext uri="{FF2B5EF4-FFF2-40B4-BE49-F238E27FC236}">
-                <a16:creationId xmlns:a16="http://schemas.microsoft.com/office/drawing/2014/main" id="{DC32947F-EF21-3D0B-55B5-DF93325E39AE}"/>
+                <a16:creationId xmlns:a16="http://schemas.microsoft.com/office/drawing/2014/main" id="{3F61B388-E957-293E-7C72-3508B995FB5A}"/>
               </a:ext>
             </a:extLst>
           </p:cNvPr>
@@ -2373,7 +2373,7 @@
           <a:bodyPr/>
           <a:lstStyle/>
           <a:p>
-            <a:fld id="{6E2399B1-B637-4F43-8019-1FF97A55DF4E}" type="datetimeFigureOut">
+            <a:fld id="{79E71255-2A76-46F6-95B8-C622CD7BBE49}" type="datetimeFigureOut">
               <a:rPr lang="zh-CN" altLang="en-US" smtClean="0"/>
               <a:t>2024/3/10</a:t>
             </a:fld>
@@ -2386,7 +2386,7 @@
           <p:cNvPr id="6" name="页脚占位符 5">
             <a:extLst>
               <a:ext uri="{FF2B5EF4-FFF2-40B4-BE49-F238E27FC236}">
-                <a16:creationId xmlns:a16="http://schemas.microsoft.com/office/drawing/2014/main" id="{395931C2-9B2E-0CA9-E8C5-81299145003B}"/>
+                <a16:creationId xmlns:a16="http://schemas.microsoft.com/office/drawing/2014/main" id="{E4B1E7DE-C49D-3B5D-EE65-57767F767CF6}"/>
               </a:ext>
             </a:extLst>
           </p:cNvPr>
@@ -2411,7 +2411,7 @@
           <p:cNvPr id="7" name="灯片编号占位符 6">
             <a:extLst>
               <a:ext uri="{FF2B5EF4-FFF2-40B4-BE49-F238E27FC236}">
-                <a16:creationId xmlns:a16="http://schemas.microsoft.com/office/drawing/2014/main" id="{86969325-EB5F-6D47-5975-E956A2B2D06D}"/>
+                <a16:creationId xmlns:a16="http://schemas.microsoft.com/office/drawing/2014/main" id="{36E52F9E-A771-0A42-4109-EAED143E331B}"/>
               </a:ext>
             </a:extLst>
           </p:cNvPr>
@@ -2427,7 +2427,7 @@
           <a:bodyPr/>
           <a:lstStyle/>
           <a:p>
-            <a:fld id="{84B9C5B6-C0BB-43E0-9657-EE5709156762}" type="slidenum">
+            <a:fld id="{D734AA25-4B22-41C5-9D8B-12558E94A861}" type="slidenum">
               <a:rPr lang="zh-CN" altLang="en-US" smtClean="0"/>
               <a:t>‹#›</a:t>
             </a:fld>
@@ -2438,7 +2438,7 @@
     </p:spTree>
     <p:extLst>
       <p:ext uri="{BB962C8B-B14F-4D97-AF65-F5344CB8AC3E}">
-        <p14:creationId xmlns:p14="http://schemas.microsoft.com/office/powerpoint/2010/main" val="2431878761"/>
+        <p14:creationId xmlns:p14="http://schemas.microsoft.com/office/powerpoint/2010/main" val="880547119"/>
       </p:ext>
     </p:extLst>
   </p:cSld>
@@ -2470,7 +2470,7 @@
           <p:cNvPr id="2" name="标题 1">
             <a:extLst>
               <a:ext uri="{FF2B5EF4-FFF2-40B4-BE49-F238E27FC236}">
-                <a16:creationId xmlns:a16="http://schemas.microsoft.com/office/drawing/2014/main" id="{CDA7663E-DD64-277E-5AE4-4620F42C0BE9}"/>
+                <a16:creationId xmlns:a16="http://schemas.microsoft.com/office/drawing/2014/main" id="{68B4C866-F3D7-E48B-AA15-94B71DEEB5D0}"/>
               </a:ext>
             </a:extLst>
           </p:cNvPr>
@@ -2507,7 +2507,7 @@
           <p:cNvPr id="3" name="图片占位符 2">
             <a:extLst>
               <a:ext uri="{FF2B5EF4-FFF2-40B4-BE49-F238E27FC236}">
-                <a16:creationId xmlns:a16="http://schemas.microsoft.com/office/drawing/2014/main" id="{E5C1F16A-254C-D570-C43A-7FA281E7B112}"/>
+                <a16:creationId xmlns:a16="http://schemas.microsoft.com/office/drawing/2014/main" id="{31F0D460-E7B1-3867-C47B-41862C877CC1}"/>
               </a:ext>
             </a:extLst>
           </p:cNvPr>
@@ -2574,7 +2574,7 @@
           <p:cNvPr id="4" name="文本占位符 3">
             <a:extLst>
               <a:ext uri="{FF2B5EF4-FFF2-40B4-BE49-F238E27FC236}">
-                <a16:creationId xmlns:a16="http://schemas.microsoft.com/office/drawing/2014/main" id="{7EADBB76-4BDD-19D1-215D-07661B2E8D1F}"/>
+                <a16:creationId xmlns:a16="http://schemas.microsoft.com/office/drawing/2014/main" id="{49E1BE18-3AC7-6CD7-B39D-07B6F86158F2}"/>
               </a:ext>
             </a:extLst>
           </p:cNvPr>
@@ -2645,7 +2645,7 @@
           <p:cNvPr id="5" name="日期占位符 4">
             <a:extLst>
               <a:ext uri="{FF2B5EF4-FFF2-40B4-BE49-F238E27FC236}">
-                <a16:creationId xmlns:a16="http://schemas.microsoft.com/office/drawing/2014/main" id="{42EE1644-349F-1EDE-8C97-F2367D0179F3}"/>
+                <a16:creationId xmlns:a16="http://schemas.microsoft.com/office/drawing/2014/main" id="{4A349338-C188-89DD-C840-74C4FE7377F0}"/>
               </a:ext>
             </a:extLst>
           </p:cNvPr>
@@ -2661,7 +2661,7 @@
           <a:bodyPr/>
           <a:lstStyle/>
           <a:p>
-            <a:fld id="{6E2399B1-B637-4F43-8019-1FF97A55DF4E}" type="datetimeFigureOut">
+            <a:fld id="{79E71255-2A76-46F6-95B8-C622CD7BBE49}" type="datetimeFigureOut">
               <a:rPr lang="zh-CN" altLang="en-US" smtClean="0"/>
               <a:t>2024/3/10</a:t>
             </a:fld>
@@ -2674,7 +2674,7 @@
           <p:cNvPr id="6" name="页脚占位符 5">
             <a:extLst>
               <a:ext uri="{FF2B5EF4-FFF2-40B4-BE49-F238E27FC236}">
-                <a16:creationId xmlns:a16="http://schemas.microsoft.com/office/drawing/2014/main" id="{3AD28340-F6C9-8A1B-E555-144A0E42982D}"/>
+                <a16:creationId xmlns:a16="http://schemas.microsoft.com/office/drawing/2014/main" id="{FE5A2DBF-7A16-47B9-8A94-110552B184E1}"/>
               </a:ext>
             </a:extLst>
           </p:cNvPr>
@@ -2699,7 +2699,7 @@
           <p:cNvPr id="7" name="灯片编号占位符 6">
             <a:extLst>
               <a:ext uri="{FF2B5EF4-FFF2-40B4-BE49-F238E27FC236}">
-                <a16:creationId xmlns:a16="http://schemas.microsoft.com/office/drawing/2014/main" id="{BB78B599-15EF-3B85-8C10-B9A1D5FF00CB}"/>
+                <a16:creationId xmlns:a16="http://schemas.microsoft.com/office/drawing/2014/main" id="{AFC92129-7469-ED2A-05F1-1449DE3B8A04}"/>
               </a:ext>
             </a:extLst>
           </p:cNvPr>
@@ -2715,7 +2715,7 @@
           <a:bodyPr/>
           <a:lstStyle/>
           <a:p>
-            <a:fld id="{84B9C5B6-C0BB-43E0-9657-EE5709156762}" type="slidenum">
+            <a:fld id="{D734AA25-4B22-41C5-9D8B-12558E94A861}" type="slidenum">
               <a:rPr lang="zh-CN" altLang="en-US" smtClean="0"/>
               <a:t>‹#›</a:t>
             </a:fld>
@@ -2726,7 +2726,7 @@
     </p:spTree>
     <p:extLst>
       <p:ext uri="{BB962C8B-B14F-4D97-AF65-F5344CB8AC3E}">
-        <p14:creationId xmlns:p14="http://schemas.microsoft.com/office/powerpoint/2010/main" val="3185141095"/>
+        <p14:creationId xmlns:p14="http://schemas.microsoft.com/office/powerpoint/2010/main" val="3796311468"/>
       </p:ext>
     </p:extLst>
   </p:cSld>
@@ -2763,7 +2763,7 @@
           <p:cNvPr id="2" name="标题占位符 1">
             <a:extLst>
               <a:ext uri="{FF2B5EF4-FFF2-40B4-BE49-F238E27FC236}">
-                <a16:creationId xmlns:a16="http://schemas.microsoft.com/office/drawing/2014/main" id="{877724C1-6492-E3DF-A4E1-60D232D12E31}"/>
+                <a16:creationId xmlns:a16="http://schemas.microsoft.com/office/drawing/2014/main" id="{45BB1788-B429-C0B3-7130-B10ABD76F374}"/>
               </a:ext>
             </a:extLst>
           </p:cNvPr>
@@ -2801,7 +2801,7 @@
           <p:cNvPr id="3" name="文本占位符 2">
             <a:extLst>
               <a:ext uri="{FF2B5EF4-FFF2-40B4-BE49-F238E27FC236}">
-                <a16:creationId xmlns:a16="http://schemas.microsoft.com/office/drawing/2014/main" id="{93672F3F-C08E-9E3B-7977-7967BCE25E2A}"/>
+                <a16:creationId xmlns:a16="http://schemas.microsoft.com/office/drawing/2014/main" id="{1140FA99-78D1-0CB3-6B0A-9783ABE33DA7}"/>
               </a:ext>
             </a:extLst>
           </p:cNvPr>
@@ -2868,7 +2868,7 @@
           <p:cNvPr id="4" name="日期占位符 3">
             <a:extLst>
               <a:ext uri="{FF2B5EF4-FFF2-40B4-BE49-F238E27FC236}">
-                <a16:creationId xmlns:a16="http://schemas.microsoft.com/office/drawing/2014/main" id="{3689DD09-1E1D-240E-25AD-9D34A45496A3}"/>
+                <a16:creationId xmlns:a16="http://schemas.microsoft.com/office/drawing/2014/main" id="{EE4186CC-0481-D64A-47E0-0BCFE69BC5FF}"/>
               </a:ext>
             </a:extLst>
           </p:cNvPr>
@@ -2902,7 +2902,7 @@
             </a:lvl1pPr>
           </a:lstStyle>
           <a:p>
-            <a:fld id="{6E2399B1-B637-4F43-8019-1FF97A55DF4E}" type="datetimeFigureOut">
+            <a:fld id="{79E71255-2A76-46F6-95B8-C622CD7BBE49}" type="datetimeFigureOut">
               <a:rPr lang="zh-CN" altLang="en-US" smtClean="0"/>
               <a:t>2024/3/10</a:t>
             </a:fld>
@@ -2915,7 +2915,7 @@
           <p:cNvPr id="5" name="页脚占位符 4">
             <a:extLst>
               <a:ext uri="{FF2B5EF4-FFF2-40B4-BE49-F238E27FC236}">
-                <a16:creationId xmlns:a16="http://schemas.microsoft.com/office/drawing/2014/main" id="{EB4BCB51-2445-ADA2-E4AE-71F05B96B453}"/>
+                <a16:creationId xmlns:a16="http://schemas.microsoft.com/office/drawing/2014/main" id="{4E0EAB7E-A261-C390-AD9E-73731D2FE62D}"/>
               </a:ext>
             </a:extLst>
           </p:cNvPr>
@@ -2958,7 +2958,7 @@
           <p:cNvPr id="6" name="灯片编号占位符 5">
             <a:extLst>
               <a:ext uri="{FF2B5EF4-FFF2-40B4-BE49-F238E27FC236}">
-                <a16:creationId xmlns:a16="http://schemas.microsoft.com/office/drawing/2014/main" id="{1270F8AE-4194-E0CB-A6B2-EBC8354CC80F}"/>
+                <a16:creationId xmlns:a16="http://schemas.microsoft.com/office/drawing/2014/main" id="{2BD24442-5167-09C9-1893-BEA720653991}"/>
               </a:ext>
             </a:extLst>
           </p:cNvPr>
@@ -2992,7 +2992,7 @@
             </a:lvl1pPr>
           </a:lstStyle>
           <a:p>
-            <a:fld id="{84B9C5B6-C0BB-43E0-9657-EE5709156762}" type="slidenum">
+            <a:fld id="{D734AA25-4B22-41C5-9D8B-12558E94A861}" type="slidenum">
               <a:rPr lang="zh-CN" altLang="en-US" smtClean="0"/>
               <a:t>‹#›</a:t>
             </a:fld>
@@ -3003,7 +3003,7 @@
     </p:spTree>
     <p:extLst>
       <p:ext uri="{BB962C8B-B14F-4D97-AF65-F5344CB8AC3E}">
-        <p14:creationId xmlns:p14="http://schemas.microsoft.com/office/powerpoint/2010/main" val="3349338776"/>
+        <p14:creationId xmlns:p14="http://schemas.microsoft.com/office/powerpoint/2010/main" val="1740055532"/>
       </p:ext>
     </p:extLst>
   </p:cSld>
@@ -3323,7 +3323,7 @@
       </p:grpSpPr>
       <p:pic>
         <p:nvPicPr>
-          <p:cNvPr id="168962" name="Picture 2" descr="164"/>
+          <p:cNvPr id="169986" name="Picture 2" descr="165"/>
           <p:cNvPicPr>
             <a:picLocks noChangeAspect="1" noChangeArrowheads="1"/>
           </p:cNvPicPr>
